--- a/CovidData.pptx
+++ b/CovidData.pptx
@@ -3735,19 +3735,19 @@
           <a:p>
             <a:r>
               <a:rPr lang="en-GB" dirty="0"/>
-              <a:t>Tests Today: 753031</a:t>
+              <a:t>Tests Today: 574012</a:t>
             </a:r>
           </a:p>
           <a:p>
             <a:r>
               <a:rPr lang="en-GB" dirty="0"/>
-              <a:t>Positive Tests Today: 21088</a:t>
+              <a:t>Positive Tests Today: 18607</a:t>
             </a:r>
           </a:p>
           <a:p>
             <a:r>
               <a:rPr lang="en-GB" dirty="0"/>
-              <a:t>Admissions Today 3039</a:t>
+              <a:t>Admissions Today 2981</a:t>
             </a:r>
           </a:p>
           <a:p>

--- a/CovidData.pptx
+++ b/CovidData.pptx
@@ -3735,19 +3735,19 @@
           <a:p>
             <a:r>
               <a:rPr lang="en-GB" dirty="0"/>
-              <a:t>Tests Today: 574012</a:t>
+              <a:t>Tests Today: 643204</a:t>
             </a:r>
           </a:p>
           <a:p>
             <a:r>
               <a:rPr lang="en-GB" dirty="0"/>
-              <a:t>Positive Tests Today: 18607</a:t>
+              <a:t>Positive Tests Today: 16840</a:t>
             </a:r>
           </a:p>
           <a:p>
             <a:r>
               <a:rPr lang="en-GB" dirty="0"/>
-              <a:t>Admissions Today 2981</a:t>
+              <a:t>Admissions Today 2642</a:t>
             </a:r>
           </a:p>
           <a:p>

--- a/CovidData.pptx
+++ b/CovidData.pptx
@@ -3735,19 +3735,19 @@
           <a:p>
             <a:r>
               <a:rPr lang="en-GB" dirty="0"/>
-              <a:t>Tests Today: 643204</a:t>
+              <a:t>Tests Today: 606382</a:t>
             </a:r>
           </a:p>
           <a:p>
             <a:r>
               <a:rPr lang="en-GB" dirty="0"/>
-              <a:t>Positive Tests Today: 16840</a:t>
+              <a:t>Positive Tests Today: 19202</a:t>
             </a:r>
           </a:p>
           <a:p>
             <a:r>
               <a:rPr lang="en-GB" dirty="0"/>
-              <a:t>Admissions Today 2642</a:t>
+              <a:t>Admissions Today 2651</a:t>
             </a:r>
           </a:p>
           <a:p>

--- a/CovidData.pptx
+++ b/CovidData.pptx
@@ -3735,19 +3735,19 @@
           <a:p>
             <a:r>
               <a:rPr lang="en-GB" dirty="0"/>
-              <a:t>Tests Today: 606382</a:t>
+              <a:t>Tests Today: 801949</a:t>
             </a:r>
           </a:p>
           <a:p>
             <a:r>
               <a:rPr lang="en-GB" dirty="0"/>
-              <a:t>Positive Tests Today: 19202</a:t>
+              <a:t>Positive Tests Today: 20634</a:t>
             </a:r>
           </a:p>
           <a:p>
             <a:r>
               <a:rPr lang="en-GB" dirty="0"/>
-              <a:t>Admissions Today 2651</a:t>
+              <a:t>Admissions Today 2375</a:t>
             </a:r>
           </a:p>
           <a:p>

--- a/CovidData.pptx
+++ b/CovidData.pptx
@@ -3735,19 +3735,19 @@
           <a:p>
             <a:r>
               <a:rPr lang="en-GB" dirty="0"/>
-              <a:t>Tests Today: 801949</a:t>
+              <a:t>Tests Today: 783851</a:t>
             </a:r>
           </a:p>
           <a:p>
             <a:r>
               <a:rPr lang="en-GB" dirty="0"/>
-              <a:t>Positive Tests Today: 20634</a:t>
+              <a:t>Positive Tests Today: 19114</a:t>
             </a:r>
           </a:p>
           <a:p>
             <a:r>
               <a:rPr lang="en-GB" dirty="0"/>
-              <a:t>Admissions Today 2375</a:t>
+              <a:t>Admissions Today 2578</a:t>
             </a:r>
           </a:p>
           <a:p>

--- a/CovidData.pptx
+++ b/CovidData.pptx
@@ -3741,13 +3741,13 @@
           <a:p>
             <a:r>
               <a:rPr lang="en-GB" dirty="0"/>
-              <a:t>Positive Tests Today: 19114</a:t>
+              <a:t>Positive Tests Today: 18262</a:t>
             </a:r>
           </a:p>
           <a:p>
             <a:r>
               <a:rPr lang="en-GB" dirty="0"/>
-              <a:t>Admissions Today 2578</a:t>
+              <a:t>Admissions Today 2460</a:t>
             </a:r>
           </a:p>
           <a:p>

--- a/CovidData.pptx
+++ b/CovidData.pptx
@@ -3741,13 +3741,13 @@
           <a:p>
             <a:r>
               <a:rPr lang="en-GB" dirty="0"/>
-              <a:t>Positive Tests Today: 18262</a:t>
+              <a:t>Positive Tests Today: 15845</a:t>
             </a:r>
           </a:p>
           <a:p>
             <a:r>
               <a:rPr lang="en-GB" dirty="0"/>
-              <a:t>Admissions Today 2460</a:t>
+              <a:t>Admissions Today 2332</a:t>
             </a:r>
           </a:p>
           <a:p>

--- a/CovidData.pptx
+++ b/CovidData.pptx
@@ -3735,19 +3735,19 @@
           <a:p>
             <a:r>
               <a:rPr lang="en-GB" dirty="0"/>
-              <a:t>Tests Today: 783851</a:t>
+              <a:t>Tests Today: 584933</a:t>
             </a:r>
           </a:p>
           <a:p>
             <a:r>
               <a:rPr lang="en-GB" dirty="0"/>
-              <a:t>Positive Tests Today: 15845</a:t>
+              <a:t>Positive Tests Today: 14104</a:t>
             </a:r>
           </a:p>
           <a:p>
             <a:r>
               <a:rPr lang="en-GB" dirty="0"/>
-              <a:t>Admissions Today 2332</a:t>
+              <a:t>Admissions Today 2107</a:t>
             </a:r>
           </a:p>
           <a:p>

--- a/CovidData.pptx
+++ b/CovidData.pptx
@@ -3735,19 +3735,19 @@
           <a:p>
             <a:r>
               <a:rPr lang="en-GB" dirty="0"/>
-              <a:t>Tests Today: 584933</a:t>
+              <a:t>Tests Today: 616718</a:t>
             </a:r>
           </a:p>
           <a:p>
             <a:r>
               <a:rPr lang="en-GB" dirty="0"/>
-              <a:t>Positive Tests Today: 14104</a:t>
+              <a:t>Positive Tests Today: 12364</a:t>
             </a:r>
           </a:p>
           <a:p>
             <a:r>
               <a:rPr lang="en-GB" dirty="0"/>
-              <a:t>Admissions Today 2107</a:t>
+              <a:t>Admissions Today 1987</a:t>
             </a:r>
           </a:p>
           <a:p>

--- a/CovidData.pptx
+++ b/CovidData.pptx
@@ -3735,19 +3735,19 @@
           <a:p>
             <a:r>
               <a:rPr lang="en-GB" dirty="0"/>
-              <a:t>Tests Today: 616718</a:t>
+              <a:t>Tests Today: 579266</a:t>
             </a:r>
           </a:p>
           <a:p>
             <a:r>
               <a:rPr lang="en-GB" dirty="0"/>
-              <a:t>Positive Tests Today: 12364</a:t>
+              <a:t>Positive Tests Today: 13013</a:t>
             </a:r>
           </a:p>
           <a:p>
             <a:r>
               <a:rPr lang="en-GB" dirty="0"/>
-              <a:t>Admissions Today 1987</a:t>
+              <a:t>Admissions Today 1872</a:t>
             </a:r>
           </a:p>
           <a:p>

--- a/CovidData.pptx
+++ b/CovidData.pptx
@@ -3735,19 +3735,19 @@
           <a:p>
             <a:r>
               <a:rPr lang="en-GB" dirty="0"/>
-              <a:t>Tests Today: 579266</a:t>
+              <a:t>Tests Today: 763311</a:t>
             </a:r>
           </a:p>
           <a:p>
             <a:r>
               <a:rPr lang="en-GB" dirty="0"/>
-              <a:t>Positive Tests Today: 13013</a:t>
+              <a:t>Positive Tests Today: 13494</a:t>
             </a:r>
           </a:p>
           <a:p>
             <a:r>
               <a:rPr lang="en-GB" dirty="0"/>
-              <a:t>Admissions Today 1872</a:t>
+              <a:t>Admissions Today 1842</a:t>
             </a:r>
           </a:p>
           <a:p>

--- a/CovidData.pptx
+++ b/CovidData.pptx
@@ -3735,19 +3735,19 @@
           <a:p>
             <a:r>
               <a:rPr lang="en-GB" dirty="0"/>
-              <a:t>Tests Today: 763311</a:t>
+              <a:t>Tests Today: 730223</a:t>
             </a:r>
           </a:p>
           <a:p>
             <a:r>
               <a:rPr lang="en-GB" dirty="0"/>
-              <a:t>Positive Tests Today: 13494</a:t>
+              <a:t>Positive Tests Today: 15144</a:t>
             </a:r>
           </a:p>
           <a:p>
             <a:r>
               <a:rPr lang="en-GB" dirty="0"/>
-              <a:t>Admissions Today 1842</a:t>
+              <a:t>Admissions Today 1908</a:t>
             </a:r>
           </a:p>
           <a:p>

--- a/CovidData.pptx
+++ b/CovidData.pptx
@@ -3741,13 +3741,13 @@
           <a:p>
             <a:r>
               <a:rPr lang="en-GB" dirty="0"/>
-              <a:t>Positive Tests Today: 15144</a:t>
+              <a:t>Positive Tests Today: 13308</a:t>
             </a:r>
           </a:p>
           <a:p>
             <a:r>
               <a:rPr lang="en-GB" dirty="0"/>
-              <a:t>Admissions Today 1908</a:t>
+              <a:t>Admissions Today 1741</a:t>
             </a:r>
           </a:p>
           <a:p>

--- a/CovidData.pptx
+++ b/CovidData.pptx
@@ -3741,13 +3741,13 @@
           <a:p>
             <a:r>
               <a:rPr lang="en-GB" dirty="0"/>
-              <a:t>Positive Tests Today: 13308</a:t>
+              <a:t>Positive Tests Today: 10972</a:t>
             </a:r>
           </a:p>
           <a:p>
             <a:r>
               <a:rPr lang="en-GB" dirty="0"/>
-              <a:t>Admissions Today 1741</a:t>
+              <a:t>Admissions Today 1715</a:t>
             </a:r>
           </a:p>
           <a:p>

--- a/CovidData.pptx
+++ b/CovidData.pptx
@@ -3735,19 +3735,19 @@
           <a:p>
             <a:r>
               <a:rPr lang="en-GB" dirty="0"/>
-              <a:t>Tests Today: 730223</a:t>
+              <a:t>Tests Today: 401786</a:t>
             </a:r>
           </a:p>
           <a:p>
             <a:r>
               <a:rPr lang="en-GB" dirty="0"/>
-              <a:t>Positive Tests Today: 10972</a:t>
+              <a:t>Positive Tests Today: 9765</a:t>
             </a:r>
           </a:p>
           <a:p>
             <a:r>
               <a:rPr lang="en-GB" dirty="0"/>
-              <a:t>Admissions Today 1715</a:t>
+              <a:t>Admissions Today 1641</a:t>
             </a:r>
           </a:p>
           <a:p>

--- a/CovidData.pptx
+++ b/CovidData.pptx
@@ -3735,19 +3735,19 @@
           <a:p>
             <a:r>
               <a:rPr lang="en-GB" dirty="0"/>
-              <a:t>Tests Today: 401786</a:t>
+              <a:t>Tests Today: 457144</a:t>
             </a:r>
           </a:p>
           <a:p>
             <a:r>
               <a:rPr lang="en-GB" dirty="0"/>
-              <a:t>Positive Tests Today: 9765</a:t>
+              <a:t>Positive Tests Today: 10625</a:t>
             </a:r>
           </a:p>
           <a:p>
             <a:r>
               <a:rPr lang="en-GB" dirty="0"/>
-              <a:t>Admissions Today 1641</a:t>
+              <a:t>Admissions Today 1487</a:t>
             </a:r>
           </a:p>
           <a:p>

--- a/CovidData.pptx
+++ b/CovidData.pptx
@@ -3735,19 +3735,19 @@
           <a:p>
             <a:r>
               <a:rPr lang="en-GB" dirty="0"/>
-              <a:t>Tests Today: 457144</a:t>
+              <a:t>Tests Today: 488578</a:t>
             </a:r>
           </a:p>
           <a:p>
             <a:r>
               <a:rPr lang="en-GB" dirty="0"/>
-              <a:t>Positive Tests Today: 10625</a:t>
+              <a:t>Positive Tests Today: 12718</a:t>
             </a:r>
           </a:p>
           <a:p>
             <a:r>
               <a:rPr lang="en-GB" dirty="0"/>
-              <a:t>Admissions Today 1487</a:t>
+              <a:t>Admissions Today 1415</a:t>
             </a:r>
           </a:p>
           <a:p>

--- a/CovidData.pptx
+++ b/CovidData.pptx
@@ -3735,19 +3735,19 @@
           <a:p>
             <a:r>
               <a:rPr lang="en-GB" dirty="0"/>
-              <a:t>Tests Today: 488578</a:t>
+              <a:t>Tests Today: 578844</a:t>
             </a:r>
           </a:p>
           <a:p>
             <a:r>
               <a:rPr lang="en-GB" dirty="0"/>
-              <a:t>Positive Tests Today: 12718</a:t>
+              <a:t>Positive Tests Today: 12057</a:t>
             </a:r>
           </a:p>
           <a:p>
             <a:r>
               <a:rPr lang="en-GB" dirty="0"/>
-              <a:t>Admissions Today 1415</a:t>
+              <a:t>Admissions Today 1531</a:t>
             </a:r>
           </a:p>
           <a:p>

--- a/CovidData.pptx
+++ b/CovidData.pptx
@@ -3735,19 +3735,19 @@
           <a:p>
             <a:r>
               <a:rPr lang="en-GB" dirty="0"/>
-              <a:t>Tests Today: 578844</a:t>
+              <a:t>Tests Today: 560400</a:t>
             </a:r>
           </a:p>
           <a:p>
             <a:r>
               <a:rPr lang="en-GB" dirty="0"/>
-              <a:t>Positive Tests Today: 12057</a:t>
+              <a:t>Positive Tests Today: 12027</a:t>
             </a:r>
           </a:p>
           <a:p>
             <a:r>
               <a:rPr lang="en-GB" dirty="0"/>
-              <a:t>Admissions Today 1531</a:t>
+              <a:t>Admissions Today 1490</a:t>
             </a:r>
           </a:p>
           <a:p>

--- a/CovidData.pptx
+++ b/CovidData.pptx
@@ -3741,13 +3741,13 @@
           <a:p>
             <a:r>
               <a:rPr lang="en-GB" dirty="0"/>
-              <a:t>Positive Tests Today: 12027</a:t>
+              <a:t>Positive Tests Today: 10406</a:t>
             </a:r>
           </a:p>
           <a:p>
             <a:r>
               <a:rPr lang="en-GB" dirty="0"/>
-              <a:t>Admissions Today 1490</a:t>
+              <a:t>Admissions Today 1492</a:t>
             </a:r>
           </a:p>
           <a:p>

--- a/CovidData.pptx
+++ b/CovidData.pptx
@@ -3741,13 +3741,13 @@
           <a:p>
             <a:r>
               <a:rPr lang="en-GB" dirty="0"/>
-              <a:t>Positive Tests Today: 10406</a:t>
+              <a:t>Positive Tests Today: 9834</a:t>
             </a:r>
           </a:p>
           <a:p>
             <a:r>
               <a:rPr lang="en-GB" dirty="0"/>
-              <a:t>Admissions Today 1492</a:t>
+              <a:t>Admissions Today 1397</a:t>
             </a:r>
           </a:p>
           <a:p>

--- a/CovidData.pptx
+++ b/CovidData.pptx
@@ -3735,19 +3735,19 @@
           <a:p>
             <a:r>
               <a:rPr lang="en-GB" dirty="0"/>
-              <a:t>Tests Today: 560400</a:t>
+              <a:t>Tests Today: 590591</a:t>
             </a:r>
           </a:p>
           <a:p>
             <a:r>
               <a:rPr lang="en-GB" dirty="0"/>
-              <a:t>Positive Tests Today: 9834</a:t>
+              <a:t>Positive Tests Today: 10641</a:t>
             </a:r>
           </a:p>
           <a:p>
             <a:r>
               <a:rPr lang="en-GB" dirty="0"/>
-              <a:t>Admissions Today 1397</a:t>
+              <a:t>Admissions Today 1304</a:t>
             </a:r>
           </a:p>
           <a:p>

--- a/CovidData.pptx
+++ b/CovidData.pptx
@@ -3735,19 +3735,19 @@
           <a:p>
             <a:r>
               <a:rPr lang="en-GB" dirty="0"/>
-              <a:t>Tests Today: 590591</a:t>
+              <a:t>Tests Today: 670560</a:t>
             </a:r>
           </a:p>
           <a:p>
             <a:r>
               <a:rPr lang="en-GB" dirty="0"/>
-              <a:t>Positive Tests Today: 10641</a:t>
+              <a:t>Positive Tests Today: 8489</a:t>
             </a:r>
           </a:p>
           <a:p>
             <a:r>
               <a:rPr lang="en-GB" dirty="0"/>
-              <a:t>Admissions Today 1304</a:t>
+              <a:t>Admissions Today 1323</a:t>
             </a:r>
           </a:p>
           <a:p>

--- a/CovidData.pptx
+++ b/CovidData.pptx
@@ -3735,19 +3735,19 @@
           <a:p>
             <a:r>
               <a:rPr lang="en-GB" dirty="0"/>
-              <a:t>Tests Today: 670560</a:t>
+              <a:t>Tests Today: 594629</a:t>
             </a:r>
           </a:p>
           <a:p>
             <a:r>
               <a:rPr lang="en-GB" dirty="0"/>
-              <a:t>Positive Tests Today: 8489</a:t>
+              <a:t>Positive Tests Today: 9938</a:t>
             </a:r>
           </a:p>
           <a:p>
             <a:r>
               <a:rPr lang="en-GB" dirty="0"/>
-              <a:t>Admissions Today 1323</a:t>
+              <a:t>Admissions Today 1327</a:t>
             </a:r>
           </a:p>
           <a:p>

--- a/CovidData.pptx
+++ b/CovidData.pptx
@@ -3735,19 +3735,19 @@
           <a:p>
             <a:r>
               <a:rPr lang="en-GB" dirty="0"/>
-              <a:t>Tests Today: 594629</a:t>
+              <a:t>Tests Today: 740717</a:t>
             </a:r>
           </a:p>
           <a:p>
             <a:r>
               <a:rPr lang="en-GB" dirty="0"/>
-              <a:t>Positive Tests Today: 9938</a:t>
+              <a:t>Positive Tests Today: 9985</a:t>
             </a:r>
           </a:p>
           <a:p>
             <a:r>
               <a:rPr lang="en-GB" dirty="0"/>
-              <a:t>Admissions Today 1327</a:t>
+              <a:t>Admissions Today 1142</a:t>
             </a:r>
           </a:p>
           <a:p>

--- a/CovidData.pptx
+++ b/CovidData.pptx
@@ -3735,19 +3735,19 @@
           <a:p>
             <a:r>
               <a:rPr lang="en-GB" dirty="0"/>
-              <a:t>Tests Today: 740717</a:t>
+              <a:t>Tests Today: 731410</a:t>
             </a:r>
           </a:p>
           <a:p>
             <a:r>
               <a:rPr lang="en-GB" dirty="0"/>
-              <a:t>Positive Tests Today: 9985</a:t>
+              <a:t>Positive Tests Today: 8523</a:t>
             </a:r>
           </a:p>
           <a:p>
             <a:r>
               <a:rPr lang="en-GB" dirty="0"/>
-              <a:t>Admissions Today 1142</a:t>
+              <a:t>Admissions Today 1117</a:t>
             </a:r>
           </a:p>
           <a:p>

--- a/CovidData.pptx
+++ b/CovidData.pptx
@@ -3741,13 +3741,13 @@
           <a:p>
             <a:r>
               <a:rPr lang="en-GB" dirty="0"/>
-              <a:t>Positive Tests Today: 8523</a:t>
+              <a:t>Positive Tests Today: 7434</a:t>
             </a:r>
           </a:p>
           <a:p>
             <a:r>
               <a:rPr lang="en-GB" dirty="0"/>
-              <a:t>Admissions Today 1117</a:t>
+              <a:t>Admissions Today 1111</a:t>
             </a:r>
           </a:p>
           <a:p>

--- a/CovidData.pptx
+++ b/CovidData.pptx
@@ -3741,13 +3741,13 @@
           <a:p>
             <a:r>
               <a:rPr lang="en-GB" dirty="0"/>
-              <a:t>Positive Tests Today: 7434</a:t>
+              <a:t>Positive Tests Today: 6035</a:t>
             </a:r>
           </a:p>
           <a:p>
             <a:r>
               <a:rPr lang="en-GB" dirty="0"/>
-              <a:t>Admissions Today 1111</a:t>
+              <a:t>Admissions Today 1112</a:t>
             </a:r>
           </a:p>
           <a:p>

--- a/CovidData.pptx
+++ b/CovidData.pptx
@@ -3735,13 +3735,13 @@
           <a:p>
             <a:r>
               <a:rPr lang="en-GB" dirty="0"/>
-              <a:t>Tests Today: 731410</a:t>
+              <a:t>Tests Today: 526679</a:t>
             </a:r>
           </a:p>
           <a:p>
             <a:r>
               <a:rPr lang="en-GB" dirty="0"/>
-              <a:t>Positive Tests Today: 6035</a:t>
+              <a:t>Positive Tests Today: 5455</a:t>
             </a:r>
           </a:p>
           <a:p>

--- a/CovidData.pptx
+++ b/CovidData.pptx
@@ -3735,19 +3735,19 @@
           <a:p>
             <a:r>
               <a:rPr lang="en-GB" dirty="0"/>
-              <a:t>Tests Today: 526679</a:t>
+              <a:t>Tests Today: 727972</a:t>
             </a:r>
           </a:p>
           <a:p>
             <a:r>
               <a:rPr lang="en-GB" dirty="0"/>
-              <a:t>Positive Tests Today: 5455</a:t>
+              <a:t>Positive Tests Today: 6391</a:t>
             </a:r>
           </a:p>
           <a:p>
             <a:r>
               <a:rPr lang="en-GB" dirty="0"/>
-              <a:t>Admissions Today 1112</a:t>
+              <a:t>Admissions Today 1110</a:t>
             </a:r>
           </a:p>
           <a:p>

--- a/CovidData.pptx
+++ b/CovidData.pptx
@@ -3735,19 +3735,19 @@
           <a:p>
             <a:r>
               <a:rPr lang="en-GB" dirty="0"/>
-              <a:t>Tests Today: 727972</a:t>
+              <a:t>Tests Today: 675543</a:t>
             </a:r>
           </a:p>
           <a:p>
             <a:r>
               <a:rPr lang="en-GB" dirty="0"/>
-              <a:t>Positive Tests Today: 6391</a:t>
+              <a:t>Positive Tests Today: 6385</a:t>
             </a:r>
           </a:p>
           <a:p>
             <a:r>
               <a:rPr lang="en-GB" dirty="0"/>
-              <a:t>Admissions Today 1110</a:t>
+              <a:t>Admissions Today 725</a:t>
             </a:r>
           </a:p>
           <a:p>

--- a/CovidData.pptx
+++ b/CovidData.pptx
@@ -3735,19 +3735,19 @@
           <a:p>
             <a:r>
               <a:rPr lang="en-GB" dirty="0"/>
-              <a:t>Tests Today: 675543</a:t>
+              <a:t>Tests Today: 863658</a:t>
             </a:r>
           </a:p>
           <a:p>
             <a:r>
               <a:rPr lang="en-GB" dirty="0"/>
-              <a:t>Positive Tests Today: 6385</a:t>
+              <a:t>Positive Tests Today: 6573</a:t>
             </a:r>
           </a:p>
           <a:p>
             <a:r>
               <a:rPr lang="en-GB" dirty="0"/>
-              <a:t>Admissions Today 725</a:t>
+              <a:t>Admissions Today 757</a:t>
             </a:r>
           </a:p>
           <a:p>

--- a/CovidData.pptx
+++ b/CovidData.pptx
@@ -3735,19 +3735,19 @@
           <a:p>
             <a:r>
               <a:rPr lang="en-GB" dirty="0"/>
-              <a:t>Tests Today: 863658</a:t>
+              <a:t>Tests Today: 992812</a:t>
             </a:r>
           </a:p>
           <a:p>
             <a:r>
               <a:rPr lang="en-GB" dirty="0"/>
-              <a:t>Positive Tests Today: 6573</a:t>
+              <a:t>Positive Tests Today: 5947</a:t>
             </a:r>
           </a:p>
           <a:p>
             <a:r>
               <a:rPr lang="en-GB" dirty="0"/>
-              <a:t>Admissions Today 757</a:t>
+              <a:t>Admissions Today 811</a:t>
             </a:r>
           </a:p>
           <a:p>

--- a/CovidData.pptx
+++ b/CovidData.pptx
@@ -3741,13 +3741,13 @@
           <a:p>
             <a:r>
               <a:rPr lang="en-GB" dirty="0"/>
-              <a:t>Positive Tests Today: 5947</a:t>
+              <a:t>Positive Tests Today: 6040</a:t>
             </a:r>
           </a:p>
           <a:p>
             <a:r>
               <a:rPr lang="en-GB" dirty="0"/>
-              <a:t>Admissions Today 811</a:t>
+              <a:t>Admissions Today 826</a:t>
             </a:r>
           </a:p>
           <a:p>

--- a/CovidData.pptx
+++ b/CovidData.pptx
@@ -3741,13 +3741,13 @@
           <a:p>
             <a:r>
               <a:rPr lang="en-GB" dirty="0"/>
-              <a:t>Positive Tests Today: 6040</a:t>
+              <a:t>Positive Tests Today: 5177</a:t>
             </a:r>
           </a:p>
           <a:p>
             <a:r>
               <a:rPr lang="en-GB" dirty="0"/>
-              <a:t>Admissions Today 826</a:t>
+              <a:t>Admissions Today 707</a:t>
             </a:r>
           </a:p>
           <a:p>

--- a/CovidData.pptx
+++ b/CovidData.pptx
@@ -3735,19 +3735,19 @@
           <a:p>
             <a:r>
               <a:rPr lang="en-GB" dirty="0"/>
-              <a:t>Tests Today: 992812</a:t>
+              <a:t>Tests Today: 805744</a:t>
             </a:r>
           </a:p>
           <a:p>
             <a:r>
               <a:rPr lang="en-GB" dirty="0"/>
-              <a:t>Positive Tests Today: 5177</a:t>
+              <a:t>Positive Tests Today: 4712</a:t>
             </a:r>
           </a:p>
           <a:p>
             <a:r>
               <a:rPr lang="en-GB" dirty="0"/>
-              <a:t>Admissions Today 707</a:t>
+              <a:t>Admissions Today 688</a:t>
             </a:r>
           </a:p>
           <a:p>

--- a/CovidData.pptx
+++ b/CovidData.pptx
@@ -3735,19 +3735,19 @@
           <a:p>
             <a:r>
               <a:rPr lang="en-GB" dirty="0"/>
-              <a:t>Tests Today: 805744</a:t>
+              <a:t>Tests Today: 1529525</a:t>
             </a:r>
           </a:p>
           <a:p>
             <a:r>
               <a:rPr lang="en-GB" dirty="0"/>
-              <a:t>Positive Tests Today: 4712</a:t>
+              <a:t>Positive Tests Today: 5766</a:t>
             </a:r>
           </a:p>
           <a:p>
             <a:r>
               <a:rPr lang="en-GB" dirty="0"/>
-              <a:t>Admissions Today 688</a:t>
+              <a:t>Admissions Today 590</a:t>
             </a:r>
           </a:p>
           <a:p>

--- a/CovidData.pptx
+++ b/CovidData.pptx
@@ -3735,19 +3735,19 @@
           <a:p>
             <a:r>
               <a:rPr lang="en-GB" dirty="0"/>
-              <a:t>Tests Today: 1529525</a:t>
+              <a:t>Tests Today: 1374579</a:t>
             </a:r>
           </a:p>
           <a:p>
             <a:r>
               <a:rPr lang="en-GB" dirty="0"/>
-              <a:t>Positive Tests Today: 5766</a:t>
+              <a:t>Positive Tests Today: 5926</a:t>
             </a:r>
           </a:p>
           <a:p>
             <a:r>
               <a:rPr lang="en-GB" dirty="0"/>
-              <a:t>Admissions Today 590</a:t>
+              <a:t>Admissions Today 634</a:t>
             </a:r>
           </a:p>
           <a:p>

--- a/CovidData.pptx
+++ b/CovidData.pptx
@@ -3735,19 +3735,19 @@
           <a:p>
             <a:r>
               <a:rPr lang="en-GB" dirty="0"/>
-              <a:t>Tests Today: 1374579</a:t>
+              <a:t>Tests Today: 1554080</a:t>
             </a:r>
           </a:p>
           <a:p>
             <a:r>
               <a:rPr lang="en-GB" dirty="0"/>
-              <a:t>Positive Tests Today: 5926</a:t>
+              <a:t>Positive Tests Today: 6753</a:t>
             </a:r>
           </a:p>
           <a:p>
             <a:r>
               <a:rPr lang="en-GB" dirty="0"/>
-              <a:t>Admissions Today 634</a:t>
+              <a:t>Admissions Today 532</a:t>
             </a:r>
           </a:p>
           <a:p>

--- a/CovidData.pptx
+++ b/CovidData.pptx
@@ -3735,19 +3735,19 @@
           <a:p>
             <a:r>
               <a:rPr lang="en-GB" dirty="0"/>
-              <a:t>Tests Today: 1554080</a:t>
+              <a:t>Tests Today: 1614145</a:t>
             </a:r>
           </a:p>
           <a:p>
             <a:r>
               <a:rPr lang="en-GB" dirty="0"/>
-              <a:t>Positive Tests Today: 6753</a:t>
+              <a:t>Positive Tests Today: 6609</a:t>
             </a:r>
           </a:p>
           <a:p>
             <a:r>
               <a:rPr lang="en-GB" dirty="0"/>
-              <a:t>Admissions Today 532</a:t>
+              <a:t>Admissions Today 575</a:t>
             </a:r>
           </a:p>
           <a:p>

--- a/CovidData.pptx
+++ b/CovidData.pptx
@@ -3741,13 +3741,13 @@
           <a:p>
             <a:r>
               <a:rPr lang="en-GB" dirty="0"/>
-              <a:t>Positive Tests Today: 6609</a:t>
+              <a:t>Positive Tests Today: 5534</a:t>
             </a:r>
           </a:p>
           <a:p>
             <a:r>
               <a:rPr lang="en-GB" dirty="0"/>
-              <a:t>Admissions Today 575</a:t>
+              <a:t>Admissions Today 570</a:t>
             </a:r>
           </a:p>
           <a:p>

--- a/CovidData.pptx
+++ b/CovidData.pptx
@@ -3741,13 +3741,13 @@
           <a:p>
             <a:r>
               <a:rPr lang="en-GB" dirty="0"/>
-              <a:t>Positive Tests Today: 5534</a:t>
+              <a:t>Positive Tests Today: 4618</a:t>
             </a:r>
           </a:p>
           <a:p>
             <a:r>
               <a:rPr lang="en-GB" dirty="0"/>
-              <a:t>Admissions Today 570</a:t>
+              <a:t>Admissions Today 563</a:t>
             </a:r>
           </a:p>
           <a:p>

--- a/CovidData.pptx
+++ b/CovidData.pptx
@@ -3735,19 +3735,19 @@
           <a:p>
             <a:r>
               <a:rPr lang="en-GB" dirty="0"/>
-              <a:t>Tests Today: 1614145</a:t>
+              <a:t>Tests Today: 965127</a:t>
             </a:r>
           </a:p>
           <a:p>
             <a:r>
               <a:rPr lang="en-GB" dirty="0"/>
-              <a:t>Positive Tests Today: 4618</a:t>
+              <a:t>Positive Tests Today: 5089</a:t>
             </a:r>
           </a:p>
           <a:p>
             <a:r>
               <a:rPr lang="en-GB" dirty="0"/>
-              <a:t>Admissions Today 563</a:t>
+              <a:t>Admissions Today 531</a:t>
             </a:r>
           </a:p>
           <a:p>

--- a/CovidData.pptx
+++ b/CovidData.pptx
@@ -3735,19 +3735,19 @@
           <a:p>
             <a:r>
               <a:rPr lang="en-GB" dirty="0"/>
-              <a:t>Tests Today: 965127</a:t>
+              <a:t>Tests Today: 1573774</a:t>
             </a:r>
           </a:p>
           <a:p>
             <a:r>
               <a:rPr lang="en-GB" dirty="0"/>
-              <a:t>Positive Tests Today: 5089</a:t>
+              <a:t>Positive Tests Today: 5294</a:t>
             </a:r>
           </a:p>
           <a:p>
             <a:r>
               <a:rPr lang="en-GB" dirty="0"/>
-              <a:t>Admissions Today 531</a:t>
+              <a:t>Admissions Today 464</a:t>
             </a:r>
           </a:p>
           <a:p>

--- a/CovidData.pptx
+++ b/CovidData.pptx
@@ -3741,13 +3741,13 @@
           <a:p>
             <a:r>
               <a:rPr lang="en-GB" dirty="0"/>
-              <a:t>Positive Tests Today: 5294</a:t>
+              <a:t>Positive Tests Today: 5758</a:t>
             </a:r>
           </a:p>
           <a:p>
             <a:r>
               <a:rPr lang="en-GB" dirty="0"/>
-              <a:t>Admissions Today 464</a:t>
+              <a:t>Admissions Today 465</a:t>
             </a:r>
           </a:p>
           <a:p>

--- a/CovidData.pptx
+++ b/CovidData.pptx
@@ -3735,19 +3735,19 @@
           <a:p>
             <a:r>
               <a:rPr lang="en-GB" dirty="0"/>
-              <a:t>Tests Today: 1573774</a:t>
+              <a:t>Tests Today: 1635141</a:t>
             </a:r>
           </a:p>
           <a:p>
             <a:r>
               <a:rPr lang="en-GB" dirty="0"/>
-              <a:t>Positive Tests Today: 5758</a:t>
+              <a:t>Positive Tests Today: 6303</a:t>
             </a:r>
           </a:p>
           <a:p>
             <a:r>
               <a:rPr lang="en-GB" dirty="0"/>
-              <a:t>Admissions Today 465</a:t>
+              <a:t>Admissions Today 426</a:t>
             </a:r>
           </a:p>
           <a:p>

--- a/CovidData.pptx
+++ b/CovidData.pptx
@@ -3735,19 +3735,19 @@
           <a:p>
             <a:r>
               <a:rPr lang="en-GB" dirty="0"/>
-              <a:t>Tests Today: 1635141</a:t>
+              <a:t>Tests Today: 1437257</a:t>
             </a:r>
           </a:p>
           <a:p>
             <a:r>
               <a:rPr lang="en-GB" dirty="0"/>
-              <a:t>Positive Tests Today: 6303</a:t>
+              <a:t>Positive Tests Today: 4802</a:t>
             </a:r>
           </a:p>
           <a:p>
             <a:r>
               <a:rPr lang="en-GB" dirty="0"/>
-              <a:t>Admissions Today 426</a:t>
+              <a:t>Admissions Today 494</a:t>
             </a:r>
           </a:p>
           <a:p>

--- a/CovidData.pptx
+++ b/CovidData.pptx
@@ -3741,13 +3741,13 @@
           <a:p>
             <a:r>
               <a:rPr lang="en-GB" dirty="0"/>
-              <a:t>Positive Tests Today: 4802</a:t>
+              <a:t>Positive Tests Today: 5587</a:t>
             </a:r>
           </a:p>
           <a:p>
             <a:r>
               <a:rPr lang="en-GB" dirty="0"/>
-              <a:t>Admissions Today 494</a:t>
+              <a:t>Admissions Today 496</a:t>
             </a:r>
           </a:p>
           <a:p>

--- a/CovidData.pptx
+++ b/CovidData.pptx
@@ -3741,13 +3741,13 @@
           <a:p>
             <a:r>
               <a:rPr lang="en-GB" dirty="0"/>
-              <a:t>Positive Tests Today: 5587</a:t>
+              <a:t>Positive Tests Today: 5312</a:t>
             </a:r>
           </a:p>
           <a:p>
             <a:r>
               <a:rPr lang="en-GB" dirty="0"/>
-              <a:t>Admissions Today 496</a:t>
+              <a:t>Admissions Today 437</a:t>
             </a:r>
           </a:p>
           <a:p>

--- a/CovidData.pptx
+++ b/CovidData.pptx
@@ -3735,19 +3735,19 @@
           <a:p>
             <a:r>
               <a:rPr lang="en-GB" dirty="0"/>
-              <a:t>Tests Today: 1437257</a:t>
+              <a:t>Tests Today: 1893830</a:t>
             </a:r>
           </a:p>
           <a:p>
             <a:r>
               <a:rPr lang="en-GB" dirty="0"/>
-              <a:t>Positive Tests Today: 5312</a:t>
+              <a:t>Positive Tests Today: 5342</a:t>
             </a:r>
           </a:p>
           <a:p>
             <a:r>
               <a:rPr lang="en-GB" dirty="0"/>
-              <a:t>Admissions Today 437</a:t>
+              <a:t>Admissions Today 440</a:t>
             </a:r>
           </a:p>
           <a:p>

--- a/CovidData.pptx
+++ b/CovidData.pptx
@@ -3735,19 +3735,19 @@
           <a:p>
             <a:r>
               <a:rPr lang="en-GB" dirty="0"/>
-              <a:t>Tests Today: 1893830</a:t>
+              <a:t>Tests Today: 1191048</a:t>
             </a:r>
           </a:p>
           <a:p>
             <a:r>
               <a:rPr lang="en-GB" dirty="0"/>
-              <a:t>Positive Tests Today: 5342</a:t>
+              <a:t>Positive Tests Today: 5379</a:t>
             </a:r>
           </a:p>
           <a:p>
             <a:r>
               <a:rPr lang="en-GB" dirty="0"/>
-              <a:t>Admissions Today 440</a:t>
+              <a:t>Admissions Today 373</a:t>
             </a:r>
           </a:p>
           <a:p>

--- a/CovidData.pptx
+++ b/CovidData.pptx
@@ -3735,19 +3735,19 @@
           <a:p>
             <a:r>
               <a:rPr lang="en-GB" dirty="0"/>
-              <a:t>Tests Today: 1191048</a:t>
+              <a:t>Tests Today: 839954</a:t>
             </a:r>
           </a:p>
           <a:p>
             <a:r>
               <a:rPr lang="en-GB" dirty="0"/>
-              <a:t>Positive Tests Today: 5379</a:t>
+              <a:t>Positive Tests Today: 5605</a:t>
             </a:r>
           </a:p>
           <a:p>
             <a:r>
               <a:rPr lang="en-GB" dirty="0"/>
-              <a:t>Admissions Today 373</a:t>
+              <a:t>Admissions Today 360</a:t>
             </a:r>
           </a:p>
           <a:p>

--- a/CovidData.pptx
+++ b/CovidData.pptx
@@ -3735,19 +3735,19 @@
           <a:p>
             <a:r>
               <a:rPr lang="en-GB" dirty="0"/>
-              <a:t>Tests Today: 839954</a:t>
+              <a:t>Tests Today: 1813842</a:t>
             </a:r>
           </a:p>
           <a:p>
             <a:r>
               <a:rPr lang="en-GB" dirty="0"/>
-              <a:t>Positive Tests Today: 5605</a:t>
+              <a:t>Positive Tests Today: 6397</a:t>
             </a:r>
           </a:p>
           <a:p>
             <a:r>
               <a:rPr lang="en-GB" dirty="0"/>
-              <a:t>Admissions Today 360</a:t>
+              <a:t>Admissions Today 354</a:t>
             </a:r>
           </a:p>
           <a:p>

--- a/CovidData.pptx
+++ b/CovidData.pptx
@@ -3735,13 +3735,13 @@
           <a:p>
             <a:r>
               <a:rPr lang="en-GB" dirty="0"/>
-              <a:t>Tests Today: 1813842</a:t>
+              <a:t>Tests Today: 1275285</a:t>
             </a:r>
           </a:p>
           <a:p>
             <a:r>
               <a:rPr lang="en-GB" dirty="0"/>
-              <a:t>Positive Tests Today: 6397</a:t>
+              <a:t>Positive Tests Today: 6187</a:t>
             </a:r>
           </a:p>
           <a:p>

--- a/CovidData.pptx
+++ b/CovidData.pptx
@@ -3741,13 +3741,13 @@
           <a:p>
             <a:r>
               <a:rPr lang="en-GB" dirty="0"/>
-              <a:t>Positive Tests Today: 6187</a:t>
+              <a:t>Positive Tests Today: 4715</a:t>
             </a:r>
           </a:p>
           <a:p>
             <a:r>
               <a:rPr lang="en-GB" dirty="0"/>
-              <a:t>Admissions Today 354</a:t>
+              <a:t>Admissions Today 363</a:t>
             </a:r>
           </a:p>
           <a:p>

--- a/CovidData.pptx
+++ b/CovidData.pptx
@@ -3741,13 +3741,13 @@
           <a:p>
             <a:r>
               <a:rPr lang="en-GB" dirty="0"/>
-              <a:t>Positive Tests Today: 4715</a:t>
+              <a:t>Positive Tests Today: 3862</a:t>
             </a:r>
           </a:p>
           <a:p>
             <a:r>
               <a:rPr lang="en-GB" dirty="0"/>
-              <a:t>Admissions Today 363</a:t>
+              <a:t>Admissions Today 343</a:t>
             </a:r>
           </a:p>
           <a:p>

--- a/CovidData.pptx
+++ b/CovidData.pptx
@@ -3735,19 +3735,19 @@
           <a:p>
             <a:r>
               <a:rPr lang="en-GB" dirty="0"/>
-              <a:t>Tests Today: 1275285</a:t>
+              <a:t>Tests Today: 1641942</a:t>
             </a:r>
           </a:p>
           <a:p>
             <a:r>
               <a:rPr lang="en-GB" dirty="0"/>
-              <a:t>Positive Tests Today: 3862</a:t>
+              <a:t>Positive Tests Today: 4654</a:t>
             </a:r>
           </a:p>
           <a:p>
             <a:r>
               <a:rPr lang="en-GB" dirty="0"/>
-              <a:t>Admissions Today 343</a:t>
+              <a:t>Admissions Today 334</a:t>
             </a:r>
           </a:p>
           <a:p>

--- a/CovidData.pptx
+++ b/CovidData.pptx
@@ -3741,13 +3741,13 @@
           <a:p>
             <a:r>
               <a:rPr lang="en-GB" dirty="0"/>
-              <a:t>Positive Tests Today: 4654</a:t>
+              <a:t>Positive Tests Today: 4040</a:t>
             </a:r>
           </a:p>
           <a:p>
             <a:r>
               <a:rPr lang="en-GB" dirty="0"/>
-              <a:t>Admissions Today 334</a:t>
+              <a:t>Admissions Today 289</a:t>
             </a:r>
           </a:p>
           <a:p>

--- a/CovidData.pptx
+++ b/CovidData.pptx
@@ -3735,19 +3735,19 @@
           <a:p>
             <a:r>
               <a:rPr lang="en-GB" dirty="0"/>
-              <a:t>Tests Today: 1641942</a:t>
+              <a:t>Tests Today: 695477</a:t>
             </a:r>
           </a:p>
           <a:p>
             <a:r>
               <a:rPr lang="en-GB" dirty="0"/>
-              <a:t>Positive Tests Today: 4040</a:t>
+              <a:t>Positive Tests Today: 4052</a:t>
             </a:r>
           </a:p>
           <a:p>
             <a:r>
               <a:rPr lang="en-GB" dirty="0"/>
-              <a:t>Admissions Today 289</a:t>
+              <a:t>Admissions Today 268</a:t>
             </a:r>
           </a:p>
           <a:p>

--- a/CovidData.pptx
+++ b/CovidData.pptx
@@ -3735,19 +3735,19 @@
           <a:p>
             <a:r>
               <a:rPr lang="en-GB" dirty="0"/>
-              <a:t>Tests Today: 695477</a:t>
+              <a:t>Tests Today: 1266685</a:t>
             </a:r>
           </a:p>
           <a:p>
             <a:r>
               <a:rPr lang="en-GB" dirty="0"/>
-              <a:t>Positive Tests Today: 4052</a:t>
+              <a:t>Positive Tests Today: 4479</a:t>
             </a:r>
           </a:p>
           <a:p>
             <a:r>
               <a:rPr lang="en-GB" dirty="0"/>
-              <a:t>Admissions Today 268</a:t>
+              <a:t>Admissions Today 274</a:t>
             </a:r>
           </a:p>
           <a:p>

--- a/CovidData.pptx
+++ b/CovidData.pptx
@@ -3741,13 +3741,13 @@
           <a:p>
             <a:r>
               <a:rPr lang="en-GB" dirty="0"/>
-              <a:t>Positive Tests Today: 4479</a:t>
+              <a:t>Positive Tests Today: 3402</a:t>
             </a:r>
           </a:p>
           <a:p>
             <a:r>
               <a:rPr lang="en-GB" dirty="0"/>
-              <a:t>Admissions Today 274</a:t>
+              <a:t>Admissions Today 273</a:t>
             </a:r>
           </a:p>
           <a:p>

--- a/CovidData.pptx
+++ b/CovidData.pptx
@@ -3741,7 +3741,7 @@
           <a:p>
             <a:r>
               <a:rPr lang="en-GB" dirty="0"/>
-              <a:t>Positive Tests Today: 3402</a:t>
+              <a:t>Positive Tests Today: 3423</a:t>
             </a:r>
           </a:p>
           <a:p>

--- a/CovidData.pptx
+++ b/CovidData.pptx
@@ -3741,7 +3741,7 @@
           <a:p>
             <a:r>
               <a:rPr lang="en-GB" dirty="0"/>
-              <a:t>Positive Tests Today: 3423</a:t>
+              <a:t>Positive Tests Today: 2297</a:t>
             </a:r>
           </a:p>
           <a:p>

--- a/CovidData.pptx
+++ b/CovidData.pptx
@@ -3741,7 +3741,7 @@
           <a:p>
             <a:r>
               <a:rPr lang="en-GB" dirty="0"/>
-              <a:t>Positive Tests Today: 2297</a:t>
+              <a:t>Positive Tests Today: 2762</a:t>
             </a:r>
           </a:p>
           <a:p>

--- a/CovidData.pptx
+++ b/CovidData.pptx
@@ -3741,13 +3741,13 @@
           <a:p>
             <a:r>
               <a:rPr lang="en-GB" dirty="0"/>
-              <a:t>Positive Tests Today: 2762</a:t>
+              <a:t>Positive Tests Today: 2379</a:t>
             </a:r>
           </a:p>
           <a:p>
             <a:r>
               <a:rPr lang="en-GB" dirty="0"/>
-              <a:t>Admissions Today 273</a:t>
+              <a:t>Admissions Today 248</a:t>
             </a:r>
           </a:p>
           <a:p>

--- a/CovidData.pptx
+++ b/CovidData.pptx
@@ -3735,19 +3735,19 @@
           <a:p>
             <a:r>
               <a:rPr lang="en-GB" dirty="0"/>
-              <a:t>Tests Today: 1266685</a:t>
+              <a:t>Tests Today: 631846</a:t>
             </a:r>
           </a:p>
           <a:p>
             <a:r>
               <a:rPr lang="en-GB" dirty="0"/>
-              <a:t>Positive Tests Today: 2379</a:t>
+              <a:t>Positive Tests Today: 2763</a:t>
             </a:r>
           </a:p>
           <a:p>
             <a:r>
               <a:rPr lang="en-GB" dirty="0"/>
-              <a:t>Admissions Today 248</a:t>
+              <a:t>Admissions Today 256</a:t>
             </a:r>
           </a:p>
           <a:p>

--- a/CovidData.pptx
+++ b/CovidData.pptx
@@ -3735,19 +3735,19 @@
           <a:p>
             <a:r>
               <a:rPr lang="en-GB" dirty="0"/>
-              <a:t>Tests Today: 631846</a:t>
+              <a:t>Tests Today: 1034088</a:t>
             </a:r>
           </a:p>
           <a:p>
             <a:r>
               <a:rPr lang="en-GB" dirty="0"/>
-              <a:t>Positive Tests Today: 2763</a:t>
+              <a:t>Positive Tests Today: 3030</a:t>
             </a:r>
           </a:p>
           <a:p>
             <a:r>
               <a:rPr lang="en-GB" dirty="0"/>
-              <a:t>Admissions Today 256</a:t>
+              <a:t>Admissions Today 220</a:t>
             </a:r>
           </a:p>
           <a:p>

--- a/CovidData.pptx
+++ b/CovidData.pptx
@@ -3735,19 +3735,19 @@
           <a:p>
             <a:r>
               <a:rPr lang="en-GB" dirty="0"/>
-              <a:t>Tests Today: 1034088</a:t>
+              <a:t>Tests Today: 931579</a:t>
             </a:r>
           </a:p>
           <a:p>
             <a:r>
               <a:rPr lang="en-GB" dirty="0"/>
-              <a:t>Positive Tests Today: 3030</a:t>
+              <a:t>Positive Tests Today: 3150</a:t>
             </a:r>
           </a:p>
           <a:p>
             <a:r>
               <a:rPr lang="en-GB" dirty="0"/>
-              <a:t>Admissions Today 220</a:t>
+              <a:t>Admissions Today 233</a:t>
             </a:r>
           </a:p>
           <a:p>

--- a/CovidData.pptx
+++ b/CovidData.pptx
@@ -3741,13 +3741,13 @@
           <a:p>
             <a:r>
               <a:rPr lang="en-GB" dirty="0"/>
-              <a:t>Positive Tests Today: 3150</a:t>
+              <a:t>Positive Tests Today: 1730</a:t>
             </a:r>
           </a:p>
           <a:p>
             <a:r>
               <a:rPr lang="en-GB" dirty="0"/>
-              <a:t>Admissions Today 233</a:t>
+              <a:t>Admissions Today 221</a:t>
             </a:r>
           </a:p>
           <a:p>

--- a/CovidData.pptx
+++ b/CovidData.pptx
@@ -3735,13 +3735,13 @@
           <a:p>
             <a:r>
               <a:rPr lang="en-GB" dirty="0"/>
-              <a:t>Tests Today: 931579</a:t>
+              <a:t>Tests Today: 1218037</a:t>
             </a:r>
           </a:p>
           <a:p>
             <a:r>
               <a:rPr lang="en-GB" dirty="0"/>
-              <a:t>Positive Tests Today: 1730</a:t>
+              <a:t>Positive Tests Today: 3568</a:t>
             </a:r>
           </a:p>
           <a:p>

--- a/CovidData.pptx
+++ b/CovidData.pptx
@@ -3735,19 +3735,19 @@
           <a:p>
             <a:r>
               <a:rPr lang="en-GB" dirty="0"/>
-              <a:t>Tests Today: 1218037</a:t>
+              <a:t>Tests Today: 874399</a:t>
             </a:r>
           </a:p>
           <a:p>
             <a:r>
               <a:rPr lang="en-GB" dirty="0"/>
-              <a:t>Positive Tests Today: 3568</a:t>
+              <a:t>Positive Tests Today: 2472</a:t>
             </a:r>
           </a:p>
           <a:p>
             <a:r>
               <a:rPr lang="en-GB" dirty="0"/>
-              <a:t>Admissions Today 221</a:t>
+              <a:t>Admissions Today 230</a:t>
             </a:r>
           </a:p>
           <a:p>

--- a/CovidData.pptx
+++ b/CovidData.pptx
@@ -3735,19 +3735,19 @@
           <a:p>
             <a:r>
               <a:rPr lang="en-GB" dirty="0"/>
-              <a:t>Tests Today: 874399</a:t>
+              <a:t>Tests Today: 679109</a:t>
             </a:r>
           </a:p>
           <a:p>
             <a:r>
               <a:rPr lang="en-GB" dirty="0"/>
-              <a:t>Positive Tests Today: 2472</a:t>
+              <a:t>Positive Tests Today: 2491</a:t>
             </a:r>
           </a:p>
           <a:p>
             <a:r>
               <a:rPr lang="en-GB" dirty="0"/>
-              <a:t>Admissions Today 230</a:t>
+              <a:t>Admissions Today 181</a:t>
             </a:r>
           </a:p>
           <a:p>

--- a/CovidData.pptx
+++ b/CovidData.pptx
@@ -3735,19 +3735,19 @@
           <a:p>
             <a:r>
               <a:rPr lang="en-GB" dirty="0"/>
-              <a:t>Tests Today: 679109</a:t>
+              <a:t>Tests Today: 1162840</a:t>
             </a:r>
           </a:p>
           <a:p>
             <a:r>
               <a:rPr lang="en-GB" dirty="0"/>
-              <a:t>Positive Tests Today: 2491</a:t>
+              <a:t>Positive Tests Today: 2672</a:t>
             </a:r>
           </a:p>
           <a:p>
             <a:r>
               <a:rPr lang="en-GB" dirty="0"/>
-              <a:t>Admissions Today 181</a:t>
+              <a:t>Admissions Today 201</a:t>
             </a:r>
           </a:p>
           <a:p>

--- a/CovidData.pptx
+++ b/CovidData.pptx
@@ -3735,19 +3735,19 @@
           <a:p>
             <a:r>
               <a:rPr lang="en-GB" dirty="0"/>
-              <a:t>Tests Today: 1162840</a:t>
+              <a:t>Tests Today: 988311</a:t>
             </a:r>
           </a:p>
           <a:p>
             <a:r>
               <a:rPr lang="en-GB" dirty="0"/>
-              <a:t>Positive Tests Today: 2672</a:t>
+              <a:t>Positive Tests Today: 2596</a:t>
             </a:r>
           </a:p>
           <a:p>
             <a:r>
               <a:rPr lang="en-GB" dirty="0"/>
-              <a:t>Admissions Today 201</a:t>
+              <a:t>Admissions Today 204</a:t>
             </a:r>
           </a:p>
           <a:p>

--- a/CovidData.pptx
+++ b/CovidData.pptx
@@ -3741,13 +3741,13 @@
           <a:p>
             <a:r>
               <a:rPr lang="en-GB" dirty="0"/>
-              <a:t>Positive Tests Today: 2596</a:t>
+              <a:t>Positive Tests Today: 2206</a:t>
             </a:r>
           </a:p>
           <a:p>
             <a:r>
               <a:rPr lang="en-GB" dirty="0"/>
-              <a:t>Admissions Today 204</a:t>
+              <a:t>Admissions Today 179</a:t>
             </a:r>
           </a:p>
           <a:p>

--- a/CovidData.pptx
+++ b/CovidData.pptx
@@ -3741,7 +3741,7 @@
           <a:p>
             <a:r>
               <a:rPr lang="en-GB" dirty="0"/>
-              <a:t>Positive Tests Today: 2206</a:t>
+              <a:t>Positive Tests Today: 1882</a:t>
             </a:r>
           </a:p>
           <a:p>

--- a/CovidData.pptx
+++ b/CovidData.pptx
@@ -3735,13 +3735,13 @@
           <a:p>
             <a:r>
               <a:rPr lang="en-GB" dirty="0"/>
-              <a:t>Tests Today: 988311</a:t>
+              <a:t>Tests Today: 1673788</a:t>
             </a:r>
           </a:p>
           <a:p>
             <a:r>
               <a:rPr lang="en-GB" dirty="0"/>
-              <a:t>Positive Tests Today: 1882</a:t>
+              <a:t>Positive Tests Today: 2963</a:t>
             </a:r>
           </a:p>
           <a:p>

--- a/CovidData.pptx
+++ b/CovidData.pptx
@@ -3735,19 +3735,19 @@
           <a:p>
             <a:r>
               <a:rPr lang="en-GB" dirty="0"/>
-              <a:t>Tests Today: 1673788</a:t>
+              <a:t>Tests Today: 1041368</a:t>
             </a:r>
           </a:p>
           <a:p>
             <a:r>
               <a:rPr lang="en-GB" dirty="0"/>
-              <a:t>Positive Tests Today: 2963</a:t>
+              <a:t>Positive Tests Today: 2524</a:t>
             </a:r>
           </a:p>
           <a:p>
             <a:r>
               <a:rPr lang="en-GB" dirty="0"/>
-              <a:t>Admissions Today 179</a:t>
+              <a:t>Admissions Today 192</a:t>
             </a:r>
           </a:p>
           <a:p>

--- a/CovidData.pptx
+++ b/CovidData.pptx
@@ -3735,13 +3735,13 @@
           <a:p>
             <a:r>
               <a:rPr lang="en-GB" dirty="0"/>
-              <a:t>Tests Today: 1041368</a:t>
+              <a:t>Tests Today: 730210</a:t>
             </a:r>
           </a:p>
           <a:p>
             <a:r>
               <a:rPr lang="en-GB" dirty="0"/>
-              <a:t>Positive Tests Today: 2524</a:t>
+              <a:t>Positive Tests Today: 2396</a:t>
             </a:r>
           </a:p>
           <a:p>

--- a/CovidData.pptx
+++ b/CovidData.pptx
@@ -3735,19 +3735,19 @@
           <a:p>
             <a:r>
               <a:rPr lang="en-GB" dirty="0"/>
-              <a:t>Tests Today: 730210</a:t>
+              <a:t>Tests Today: 1371393</a:t>
             </a:r>
           </a:p>
           <a:p>
             <a:r>
               <a:rPr lang="en-GB" dirty="0"/>
-              <a:t>Positive Tests Today: 2396</a:t>
+              <a:t>Positive Tests Today: 2729</a:t>
             </a:r>
           </a:p>
           <a:p>
             <a:r>
               <a:rPr lang="en-GB" dirty="0"/>
-              <a:t>Admissions Today 192</a:t>
+              <a:t>Admissions Today 140</a:t>
             </a:r>
           </a:p>
           <a:p>

--- a/CovidData.pptx
+++ b/CovidData.pptx
@@ -3735,19 +3735,19 @@
           <a:p>
             <a:r>
               <a:rPr lang="en-GB" dirty="0"/>
-              <a:t>Tests Today: 1371393</a:t>
+              <a:t>Tests Today: 1111876</a:t>
             </a:r>
           </a:p>
           <a:p>
             <a:r>
               <a:rPr lang="en-GB" dirty="0"/>
-              <a:t>Positive Tests Today: 2729</a:t>
+              <a:t>Positive Tests Today: 2678</a:t>
             </a:r>
           </a:p>
           <a:p>
             <a:r>
               <a:rPr lang="en-GB" dirty="0"/>
-              <a:t>Admissions Today 140</a:t>
+              <a:t>Admissions Today 174</a:t>
             </a:r>
           </a:p>
           <a:p>

--- a/CovidData.pptx
+++ b/CovidData.pptx
@@ -3741,13 +3741,13 @@
           <a:p>
             <a:r>
               <a:rPr lang="en-GB" dirty="0"/>
-              <a:t>Positive Tests Today: 2678</a:t>
+              <a:t>Positive Tests Today: 2061</a:t>
             </a:r>
           </a:p>
           <a:p>
             <a:r>
               <a:rPr lang="en-GB" dirty="0"/>
-              <a:t>Admissions Today 174</a:t>
+              <a:t>Admissions Today 132</a:t>
             </a:r>
           </a:p>
           <a:p>

--- a/CovidData.pptx
+++ b/CovidData.pptx
@@ -3741,7 +3741,7 @@
           <a:p>
             <a:r>
               <a:rPr lang="en-GB" dirty="0"/>
-              <a:t>Positive Tests Today: 2061</a:t>
+              <a:t>Positive Tests Today: 1712</a:t>
             </a:r>
           </a:p>
           <a:p>

--- a/CovidData.pptx
+++ b/CovidData.pptx
@@ -3735,13 +3735,13 @@
           <a:p>
             <a:r>
               <a:rPr lang="en-GB" dirty="0"/>
-              <a:t>Tests Today: 1111876</a:t>
+              <a:t>Tests Today: 1477709</a:t>
             </a:r>
           </a:p>
           <a:p>
             <a:r>
               <a:rPr lang="en-GB" dirty="0"/>
-              <a:t>Positive Tests Today: 1712</a:t>
+              <a:t>Positive Tests Today: 2064</a:t>
             </a:r>
           </a:p>
           <a:p>

--- a/CovidData.pptx
+++ b/CovidData.pptx
@@ -3735,19 +3735,19 @@
           <a:p>
             <a:r>
               <a:rPr lang="en-GB" dirty="0"/>
-              <a:t>Tests Today: 1477709</a:t>
+              <a:t>Tests Today: 1034181</a:t>
             </a:r>
           </a:p>
           <a:p>
             <a:r>
               <a:rPr lang="en-GB" dirty="0"/>
-              <a:t>Positive Tests Today: 2064</a:t>
+              <a:t>Positive Tests Today: 2685</a:t>
             </a:r>
           </a:p>
           <a:p>
             <a:r>
               <a:rPr lang="en-GB" dirty="0"/>
-              <a:t>Admissions Today 132</a:t>
+              <a:t>Admissions Today 169</a:t>
             </a:r>
           </a:p>
           <a:p>

--- a/CovidData.pptx
+++ b/CovidData.pptx
@@ -3735,19 +3735,19 @@
           <a:p>
             <a:r>
               <a:rPr lang="en-GB" dirty="0"/>
-              <a:t>Tests Today: 1034181</a:t>
+              <a:t>Tests Today: 730262</a:t>
             </a:r>
           </a:p>
           <a:p>
             <a:r>
               <a:rPr lang="en-GB" dirty="0"/>
-              <a:t>Positive Tests Today: 2685</a:t>
+              <a:t>Positive Tests Today: 2166</a:t>
             </a:r>
           </a:p>
           <a:p>
             <a:r>
               <a:rPr lang="en-GB" dirty="0"/>
-              <a:t>Admissions Today 169</a:t>
+              <a:t>Admissions Today 124</a:t>
             </a:r>
           </a:p>
           <a:p>

--- a/CovidData.pptx
+++ b/CovidData.pptx
@@ -3735,19 +3735,19 @@
           <a:p>
             <a:r>
               <a:rPr lang="en-GB" dirty="0"/>
-              <a:t>Tests Today: 730262</a:t>
+              <a:t>Tests Today: 1360719</a:t>
             </a:r>
           </a:p>
           <a:p>
             <a:r>
               <a:rPr lang="en-GB" dirty="0"/>
-              <a:t>Positive Tests Today: 2166</a:t>
+              <a:t>Positive Tests Today: 2445</a:t>
             </a:r>
           </a:p>
           <a:p>
             <a:r>
               <a:rPr lang="en-GB" dirty="0"/>
-              <a:t>Admissions Today 124</a:t>
+              <a:t>Admissions Today 134</a:t>
             </a:r>
           </a:p>
           <a:p>

--- a/CovidData.pptx
+++ b/CovidData.pptx
@@ -3735,19 +3735,19 @@
           <a:p>
             <a:r>
               <a:rPr lang="en-GB" dirty="0"/>
-              <a:t>Tests Today: 1360719</a:t>
+              <a:t>Tests Today: 1072576</a:t>
             </a:r>
           </a:p>
           <a:p>
             <a:r>
               <a:rPr lang="en-GB" dirty="0"/>
-              <a:t>Positive Tests Today: 2445</a:t>
+              <a:t>Positive Tests Today: 2381</a:t>
             </a:r>
           </a:p>
           <a:p>
             <a:r>
               <a:rPr lang="en-GB" dirty="0"/>
-              <a:t>Admissions Today 134</a:t>
+              <a:t>Admissions Today 132</a:t>
             </a:r>
           </a:p>
           <a:p>

--- a/CovidData.pptx
+++ b/CovidData.pptx
@@ -3741,13 +3741,13 @@
           <a:p>
             <a:r>
               <a:rPr lang="en-GB" dirty="0"/>
-              <a:t>Positive Tests Today: 2381</a:t>
+              <a:t>Positive Tests Today: 1907</a:t>
             </a:r>
           </a:p>
           <a:p>
             <a:r>
               <a:rPr lang="en-GB" dirty="0"/>
-              <a:t>Admissions Today 132</a:t>
+              <a:t>Admissions Today 160</a:t>
             </a:r>
           </a:p>
           <a:p>

--- a/CovidData.pptx
+++ b/CovidData.pptx
@@ -3741,7 +3741,7 @@
           <a:p>
             <a:r>
               <a:rPr lang="en-GB" dirty="0"/>
-              <a:t>Positive Tests Today: 1907</a:t>
+              <a:t>Positive Tests Today: 1671</a:t>
             </a:r>
           </a:p>
           <a:p>

--- a/CovidData.pptx
+++ b/CovidData.pptx
@@ -3741,7 +3741,7 @@
           <a:p>
             <a:r>
               <a:rPr lang="en-GB" dirty="0"/>
-              <a:t>Positive Tests Today: 1671</a:t>
+              <a:t>Positive Tests Today: 1649</a:t>
             </a:r>
           </a:p>
           <a:p>
@@ -3753,7 +3753,7 @@
           <a:p>
             <a:r>
               <a:rPr lang="en-GB" dirty="0"/>
-              <a:t>Deaths Today 0</a:t>
+              <a:t>Deaths Today 136</a:t>
             </a:r>
           </a:p>
           <a:p>

--- a/CovidData.pptx
+++ b/CovidData.pptx
@@ -3735,13 +3735,13 @@
           <a:p>
             <a:r>
               <a:rPr lang="en-GB" dirty="0"/>
-              <a:t>Tests Today: 1072576</a:t>
+              <a:t>Tests Today: 1069724</a:t>
             </a:r>
           </a:p>
           <a:p>
             <a:r>
               <a:rPr lang="en-GB" dirty="0"/>
-              <a:t>Positive Tests Today: 1649</a:t>
+              <a:t>Positive Tests Today: 1946</a:t>
             </a:r>
           </a:p>
           <a:p>

--- a/CovidData.pptx
+++ b/CovidData.pptx
@@ -3735,19 +3735,19 @@
           <a:p>
             <a:r>
               <a:rPr lang="en-GB" dirty="0"/>
-              <a:t>Tests Today: 1069724</a:t>
+              <a:t>Tests Today: 860368</a:t>
             </a:r>
           </a:p>
           <a:p>
             <a:r>
               <a:rPr lang="en-GB" dirty="0"/>
-              <a:t>Positive Tests Today: 1946</a:t>
+              <a:t>Positive Tests Today: 2144</a:t>
             </a:r>
           </a:p>
           <a:p>
             <a:r>
               <a:rPr lang="en-GB" dirty="0"/>
-              <a:t>Admissions Today 160</a:t>
+              <a:t>Admissions Today 108</a:t>
             </a:r>
           </a:p>
           <a:p>

--- a/CovidData.pptx
+++ b/CovidData.pptx
@@ -3735,19 +3735,19 @@
           <a:p>
             <a:r>
               <a:rPr lang="en-GB" dirty="0"/>
-              <a:t>Tests Today: 860368</a:t>
+              <a:t>Tests Today: 1214689</a:t>
             </a:r>
           </a:p>
           <a:p>
             <a:r>
               <a:rPr lang="en-GB" dirty="0"/>
-              <a:t>Positive Tests Today: 2144</a:t>
+              <a:t>Positive Tests Today: 2613</a:t>
             </a:r>
           </a:p>
           <a:p>
             <a:r>
               <a:rPr lang="en-GB" dirty="0"/>
-              <a:t>Admissions Today 108</a:t>
+              <a:t>Admissions Today 120</a:t>
             </a:r>
           </a:p>
           <a:p>

--- a/CovidData.pptx
+++ b/CovidData.pptx
@@ -3735,19 +3735,19 @@
           <a:p>
             <a:r>
               <a:rPr lang="en-GB" dirty="0"/>
-              <a:t>Tests Today: 1214689</a:t>
+              <a:t>Tests Today: 1067566</a:t>
             </a:r>
           </a:p>
           <a:p>
             <a:r>
               <a:rPr lang="en-GB" dirty="0"/>
-              <a:t>Positive Tests Today: 2613</a:t>
+              <a:t>Positive Tests Today: 2490</a:t>
             </a:r>
           </a:p>
           <a:p>
             <a:r>
               <a:rPr lang="en-GB" dirty="0"/>
-              <a:t>Admissions Today 120</a:t>
+              <a:t>Admissions Today 121</a:t>
             </a:r>
           </a:p>
           <a:p>

--- a/CovidData.pptx
+++ b/CovidData.pptx
@@ -3741,13 +3741,13 @@
           <a:p>
             <a:r>
               <a:rPr lang="en-GB" dirty="0"/>
-              <a:t>Positive Tests Today: 2490</a:t>
+              <a:t>Positive Tests Today: 2047</a:t>
             </a:r>
           </a:p>
           <a:p>
             <a:r>
               <a:rPr lang="en-GB" dirty="0"/>
-              <a:t>Admissions Today 121</a:t>
+              <a:t>Admissions Today 101</a:t>
             </a:r>
           </a:p>
           <a:p>

--- a/CovidData.pptx
+++ b/CovidData.pptx
@@ -3741,7 +3741,7 @@
           <a:p>
             <a:r>
               <a:rPr lang="en-GB" dirty="0"/>
-              <a:t>Positive Tests Today: 2047</a:t>
+              <a:t>Positive Tests Today: 1770</a:t>
             </a:r>
           </a:p>
           <a:p>

--- a/CovidData.pptx
+++ b/CovidData.pptx
@@ -3735,13 +3735,13 @@
           <a:p>
             <a:r>
               <a:rPr lang="en-GB" dirty="0"/>
-              <a:t>Tests Today: 1067566</a:t>
+              <a:t>Tests Today: 1322338</a:t>
             </a:r>
           </a:p>
           <a:p>
             <a:r>
               <a:rPr lang="en-GB" dirty="0"/>
-              <a:t>Positive Tests Today: 1770</a:t>
+              <a:t>Positive Tests Today: 2357</a:t>
             </a:r>
           </a:p>
           <a:p>

--- a/CovidData.pptx
+++ b/CovidData.pptx
@@ -3735,19 +3735,19 @@
           <a:p>
             <a:r>
               <a:rPr lang="en-GB" dirty="0"/>
-              <a:t>Tests Today: 1322338</a:t>
+              <a:t>Tests Today: 955467</a:t>
             </a:r>
           </a:p>
           <a:p>
             <a:r>
               <a:rPr lang="en-GB" dirty="0"/>
-              <a:t>Positive Tests Today: 2357</a:t>
+              <a:t>Positive Tests Today: 2474</a:t>
             </a:r>
           </a:p>
           <a:p>
             <a:r>
               <a:rPr lang="en-GB" dirty="0"/>
-              <a:t>Admissions Today 101</a:t>
+              <a:t>Admissions Today 116</a:t>
             </a:r>
           </a:p>
           <a:p>

--- a/CovidData.pptx
+++ b/CovidData.pptx
@@ -3735,19 +3735,19 @@
           <a:p>
             <a:r>
               <a:rPr lang="en-GB" dirty="0"/>
-              <a:t>Tests Today: 955467</a:t>
+              <a:t>Tests Today: 711104</a:t>
             </a:r>
           </a:p>
           <a:p>
             <a:r>
               <a:rPr lang="en-GB" dirty="0"/>
-              <a:t>Positive Tests Today: 2474</a:t>
+              <a:t>Positive Tests Today: 2284</a:t>
             </a:r>
           </a:p>
           <a:p>
             <a:r>
               <a:rPr lang="en-GB" dirty="0"/>
-              <a:t>Admissions Today 116</a:t>
+              <a:t>Admissions Today 106</a:t>
             </a:r>
           </a:p>
           <a:p>

--- a/CovidData.pptx
+++ b/CovidData.pptx
@@ -3735,19 +3735,19 @@
           <a:p>
             <a:r>
               <a:rPr lang="en-GB" dirty="0"/>
-              <a:t>Tests Today: 711104</a:t>
+              <a:t>Tests Today: 1184941</a:t>
             </a:r>
           </a:p>
           <a:p>
             <a:r>
               <a:rPr lang="en-GB" dirty="0"/>
-              <a:t>Positive Tests Today: 2284</a:t>
+              <a:t>Positive Tests Today: 2657</a:t>
             </a:r>
           </a:p>
           <a:p>
             <a:r>
               <a:rPr lang="en-GB" dirty="0"/>
-              <a:t>Admissions Today 106</a:t>
+              <a:t>Admissions Today 99</a:t>
             </a:r>
           </a:p>
           <a:p>

--- a/CovidData.pptx
+++ b/CovidData.pptx
@@ -3735,19 +3735,19 @@
           <a:p>
             <a:r>
               <a:rPr lang="en-GB" dirty="0"/>
-              <a:t>Tests Today: 1184941</a:t>
+              <a:t>Tests Today: 982881</a:t>
             </a:r>
           </a:p>
           <a:p>
             <a:r>
               <a:rPr lang="en-GB" dirty="0"/>
-              <a:t>Positive Tests Today: 2657</a:t>
+              <a:t>Positive Tests Today: 2193</a:t>
             </a:r>
           </a:p>
           <a:p>
             <a:r>
               <a:rPr lang="en-GB" dirty="0"/>
-              <a:t>Admissions Today 99</a:t>
+              <a:t>Admissions Today 104</a:t>
             </a:r>
           </a:p>
           <a:p>

--- a/CovidData.pptx
+++ b/CovidData.pptx
@@ -3741,13 +3741,13 @@
           <a:p>
             <a:r>
               <a:rPr lang="en-GB" dirty="0"/>
-              <a:t>Positive Tests Today: 2193</a:t>
+              <a:t>Positive Tests Today: 2027</a:t>
             </a:r>
           </a:p>
           <a:p>
             <a:r>
               <a:rPr lang="en-GB" dirty="0"/>
-              <a:t>Admissions Today 104</a:t>
+              <a:t>Admissions Today 103</a:t>
             </a:r>
           </a:p>
           <a:p>

--- a/CovidData.pptx
+++ b/CovidData.pptx
@@ -3741,7 +3741,7 @@
           <a:p>
             <a:r>
               <a:rPr lang="en-GB" dirty="0"/>
-              <a:t>Positive Tests Today: 2027</a:t>
+              <a:t>Positive Tests Today: 1926</a:t>
             </a:r>
           </a:p>
           <a:p>

--- a/CovidData.pptx
+++ b/CovidData.pptx
@@ -3735,13 +3735,13 @@
           <a:p>
             <a:r>
               <a:rPr lang="en-GB" dirty="0"/>
-              <a:t>Tests Today: 982881</a:t>
+              <a:t>Tests Today: 1086443</a:t>
             </a:r>
           </a:p>
           <a:p>
             <a:r>
               <a:rPr lang="en-GB" dirty="0"/>
-              <a:t>Positive Tests Today: 1926</a:t>
+              <a:t>Positive Tests Today: 1979</a:t>
             </a:r>
           </a:p>
           <a:p>

--- a/CovidData.pptx
+++ b/CovidData.pptx
@@ -3735,19 +3735,19 @@
           <a:p>
             <a:r>
               <a:rPr lang="en-GB" dirty="0"/>
-              <a:t>Tests Today: 1086443</a:t>
+              <a:t>Tests Today: 967126</a:t>
             </a:r>
           </a:p>
           <a:p>
             <a:r>
               <a:rPr lang="en-GB" dirty="0"/>
-              <a:t>Positive Tests Today: 1979</a:t>
+              <a:t>Positive Tests Today: 2412</a:t>
             </a:r>
           </a:p>
           <a:p>
             <a:r>
               <a:rPr lang="en-GB" dirty="0"/>
-              <a:t>Admissions Today 103</a:t>
+              <a:t>Admissions Today 116</a:t>
             </a:r>
           </a:p>
           <a:p>

--- a/CovidData.pptx
+++ b/CovidData.pptx
@@ -3735,19 +3735,19 @@
           <a:p>
             <a:r>
               <a:rPr lang="en-GB" dirty="0"/>
-              <a:t>Tests Today: 967126</a:t>
+              <a:t>Tests Today: 732012</a:t>
             </a:r>
           </a:p>
           <a:p>
             <a:r>
               <a:rPr lang="en-GB" dirty="0"/>
-              <a:t>Positive Tests Today: 2412</a:t>
+              <a:t>Positive Tests Today: 2696</a:t>
             </a:r>
           </a:p>
           <a:p>
             <a:r>
               <a:rPr lang="en-GB" dirty="0"/>
-              <a:t>Admissions Today 116</a:t>
+              <a:t>Admissions Today 89</a:t>
             </a:r>
           </a:p>
           <a:p>

--- a/CovidData.pptx
+++ b/CovidData.pptx
@@ -3735,19 +3735,19 @@
           <a:p>
             <a:r>
               <a:rPr lang="en-GB" dirty="0"/>
-              <a:t>Tests Today: 732012</a:t>
+              <a:t>Tests Today: 1180660</a:t>
             </a:r>
           </a:p>
           <a:p>
             <a:r>
               <a:rPr lang="en-GB" dirty="0"/>
-              <a:t>Positive Tests Today: 2696</a:t>
+              <a:t>Positive Tests Today: 2874</a:t>
             </a:r>
           </a:p>
           <a:p>
             <a:r>
               <a:rPr lang="en-GB" dirty="0"/>
-              <a:t>Admissions Today 89</a:t>
+              <a:t>Admissions Today 77</a:t>
             </a:r>
           </a:p>
           <a:p>

--- a/CovidData.pptx
+++ b/CovidData.pptx
@@ -3735,19 +3735,19 @@
           <a:p>
             <a:r>
               <a:rPr lang="en-GB" dirty="0"/>
-              <a:t>Tests Today: 1180660</a:t>
+              <a:t>Tests Today: 982099</a:t>
             </a:r>
           </a:p>
           <a:p>
             <a:r>
               <a:rPr lang="en-GB" dirty="0"/>
-              <a:t>Positive Tests Today: 2874</a:t>
+              <a:t>Positive Tests Today: 2829</a:t>
             </a:r>
           </a:p>
           <a:p>
             <a:r>
               <a:rPr lang="en-GB" dirty="0"/>
-              <a:t>Admissions Today 77</a:t>
+              <a:t>Admissions Today 101</a:t>
             </a:r>
           </a:p>
           <a:p>

--- a/CovidData.pptx
+++ b/CovidData.pptx
@@ -3741,13 +3741,13 @@
           <a:p>
             <a:r>
               <a:rPr lang="en-GB" dirty="0"/>
-              <a:t>Positive Tests Today: 2829</a:t>
+              <a:t>Positive Tests Today: 2694</a:t>
             </a:r>
           </a:p>
           <a:p>
             <a:r>
               <a:rPr lang="en-GB" dirty="0"/>
-              <a:t>Admissions Today 101</a:t>
+              <a:t>Admissions Today 122</a:t>
             </a:r>
           </a:p>
           <a:p>

--- a/CovidData.pptx
+++ b/CovidData.pptx
@@ -3741,7 +3741,7 @@
           <a:p>
             <a:r>
               <a:rPr lang="en-GB" dirty="0"/>
-              <a:t>Positive Tests Today: 2694</a:t>
+              <a:t>Positive Tests Today: 2235</a:t>
             </a:r>
           </a:p>
           <a:p>

--- a/CovidData.pptx
+++ b/CovidData.pptx
@@ -3735,13 +3735,13 @@
           <a:p>
             <a:r>
               <a:rPr lang="en-GB" dirty="0"/>
-              <a:t>Tests Today: 982099</a:t>
+              <a:t>Tests Today: 1165801</a:t>
             </a:r>
           </a:p>
           <a:p>
             <a:r>
               <a:rPr lang="en-GB" dirty="0"/>
-              <a:t>Positive Tests Today: 2235</a:t>
+              <a:t>Positive Tests Today: 2439</a:t>
             </a:r>
           </a:p>
           <a:p>

--- a/CovidData.pptx
+++ b/CovidData.pptx
@@ -3735,19 +3735,19 @@
           <a:p>
             <a:r>
               <a:rPr lang="en-GB" dirty="0"/>
-              <a:t>Tests Today: 1165801</a:t>
+              <a:t>Tests Today: 946830</a:t>
             </a:r>
           </a:p>
           <a:p>
             <a:r>
               <a:rPr lang="en-GB" dirty="0"/>
-              <a:t>Positive Tests Today: 2439</a:t>
+              <a:t>Positive Tests Today: 2493</a:t>
             </a:r>
           </a:p>
           <a:p>
             <a:r>
               <a:rPr lang="en-GB" dirty="0"/>
-              <a:t>Admissions Today 122</a:t>
+              <a:t>Admissions Today 123</a:t>
             </a:r>
           </a:p>
           <a:p>

--- a/CovidData.pptx
+++ b/CovidData.pptx
@@ -3735,19 +3735,19 @@
           <a:p>
             <a:r>
               <a:rPr lang="en-GB" dirty="0"/>
-              <a:t>Tests Today: 946830</a:t>
+              <a:t>Tests Today: 741912</a:t>
             </a:r>
           </a:p>
           <a:p>
             <a:r>
               <a:rPr lang="en-GB" dirty="0"/>
-              <a:t>Positive Tests Today: 2493</a:t>
+              <a:t>Positive Tests Today: 3180</a:t>
             </a:r>
           </a:p>
           <a:p>
             <a:r>
               <a:rPr lang="en-GB" dirty="0"/>
-              <a:t>Admissions Today 123</a:t>
+              <a:t>Admissions Today 115</a:t>
             </a:r>
           </a:p>
           <a:p>

--- a/CovidData.pptx
+++ b/CovidData.pptx
@@ -3735,19 +3735,19 @@
           <a:p>
             <a:r>
               <a:rPr lang="en-GB" dirty="0"/>
-              <a:t>Tests Today: 741912</a:t>
+              <a:t>Tests Today: 1132061</a:t>
             </a:r>
           </a:p>
           <a:p>
             <a:r>
               <a:rPr lang="en-GB" dirty="0"/>
-              <a:t>Positive Tests Today: 3180</a:t>
+              <a:t>Positive Tests Today: 3542</a:t>
             </a:r>
           </a:p>
           <a:p>
             <a:r>
               <a:rPr lang="en-GB" dirty="0"/>
-              <a:t>Admissions Today 115</a:t>
+              <a:t>Admissions Today 112</a:t>
             </a:r>
           </a:p>
           <a:p>

--- a/CovidData.pptx
+++ b/CovidData.pptx
@@ -3735,19 +3735,19 @@
           <a:p>
             <a:r>
               <a:rPr lang="en-GB" dirty="0"/>
-              <a:t>Tests Today: 1132061</a:t>
+              <a:t>Tests Today: 959007</a:t>
             </a:r>
           </a:p>
           <a:p>
             <a:r>
               <a:rPr lang="en-GB" dirty="0"/>
-              <a:t>Positive Tests Today: 3542</a:t>
+              <a:t>Positive Tests Today: 4182</a:t>
             </a:r>
           </a:p>
           <a:p>
             <a:r>
               <a:rPr lang="en-GB" dirty="0"/>
-              <a:t>Admissions Today 112</a:t>
+              <a:t>Admissions Today 134</a:t>
             </a:r>
           </a:p>
           <a:p>

--- a/CovidData.pptx
+++ b/CovidData.pptx
@@ -3741,13 +3741,13 @@
           <a:p>
             <a:r>
               <a:rPr lang="en-GB" dirty="0"/>
-              <a:t>Positive Tests Today: 4182</a:t>
+              <a:t>Positive Tests Today: 3398</a:t>
             </a:r>
           </a:p>
           <a:p>
             <a:r>
               <a:rPr lang="en-GB" dirty="0"/>
-              <a:t>Admissions Today 134</a:t>
+              <a:t>Admissions Today 133</a:t>
             </a:r>
           </a:p>
           <a:p>

--- a/CovidData.pptx
+++ b/CovidData.pptx
@@ -3741,7 +3741,7 @@
           <a:p>
             <a:r>
               <a:rPr lang="en-GB" dirty="0"/>
-              <a:t>Positive Tests Today: 3398</a:t>
+              <a:t>Positive Tests Today: 3240</a:t>
             </a:r>
           </a:p>
           <a:p>

--- a/CovidData.pptx
+++ b/CovidData.pptx
@@ -3741,7 +3741,7 @@
           <a:p>
             <a:r>
               <a:rPr lang="en-GB" dirty="0"/>
-              <a:t>Positive Tests Today: 3240</a:t>
+              <a:t>Positive Tests Today: 3383</a:t>
             </a:r>
           </a:p>
           <a:p>

--- a/CovidData.pptx
+++ b/CovidData.pptx
@@ -3735,13 +3735,13 @@
           <a:p>
             <a:r>
               <a:rPr lang="en-GB" dirty="0"/>
-              <a:t>Tests Today: 959007</a:t>
+              <a:t>Tests Today: 602019</a:t>
             </a:r>
           </a:p>
           <a:p>
             <a:r>
               <a:rPr lang="en-GB" dirty="0"/>
-              <a:t>Positive Tests Today: 3383</a:t>
+              <a:t>Positive Tests Today: 3165</a:t>
             </a:r>
           </a:p>
           <a:p>

--- a/CovidData.pptx
+++ b/CovidData.pptx
@@ -3735,19 +3735,19 @@
           <a:p>
             <a:r>
               <a:rPr lang="en-GB" dirty="0"/>
-              <a:t>Tests Today: 602019</a:t>
+              <a:t>Tests Today: 664849</a:t>
             </a:r>
           </a:p>
           <a:p>
             <a:r>
               <a:rPr lang="en-GB" dirty="0"/>
-              <a:t>Positive Tests Today: 3165</a:t>
+              <a:t>Positive Tests Today: 4330</a:t>
             </a:r>
           </a:p>
           <a:p>
             <a:r>
               <a:rPr lang="en-GB" dirty="0"/>
-              <a:t>Admissions Today 133</a:t>
+              <a:t>Admissions Today 123</a:t>
             </a:r>
           </a:p>
           <a:p>

--- a/CovidData.pptx
+++ b/CovidData.pptx
@@ -3735,19 +3735,19 @@
           <a:p>
             <a:r>
               <a:rPr lang="en-GB" dirty="0"/>
-              <a:t>Tests Today: 664849</a:t>
+              <a:t>Tests Today: 854697</a:t>
             </a:r>
           </a:p>
           <a:p>
             <a:r>
               <a:rPr lang="en-GB" dirty="0"/>
-              <a:t>Positive Tests Today: 4330</a:t>
+              <a:t>Positive Tests Today: 5274</a:t>
             </a:r>
           </a:p>
           <a:p>
             <a:r>
               <a:rPr lang="en-GB" dirty="0"/>
-              <a:t>Admissions Today 123</a:t>
+              <a:t>Admissions Today 110</a:t>
             </a:r>
           </a:p>
           <a:p>

--- a/CovidData.pptx
+++ b/CovidData.pptx
@@ -3735,19 +3735,19 @@
           <a:p>
             <a:r>
               <a:rPr lang="en-GB" dirty="0"/>
-              <a:t>Tests Today: 854697</a:t>
+              <a:t>Tests Today: 806272</a:t>
             </a:r>
           </a:p>
           <a:p>
             <a:r>
               <a:rPr lang="en-GB" dirty="0"/>
-              <a:t>Positive Tests Today: 5274</a:t>
+              <a:t>Positive Tests Today: 6238</a:t>
             </a:r>
           </a:p>
           <a:p>
             <a:r>
               <a:rPr lang="en-GB" dirty="0"/>
-              <a:t>Admissions Today 110</a:t>
+              <a:t>Admissions Today 123</a:t>
             </a:r>
           </a:p>
           <a:p>

--- a/CovidData.pptx
+++ b/CovidData.pptx
@@ -3741,13 +3741,13 @@
           <a:p>
             <a:r>
               <a:rPr lang="en-GB" dirty="0"/>
-              <a:t>Positive Tests Today: 6238</a:t>
+              <a:t>Positive Tests Today: 5765</a:t>
             </a:r>
           </a:p>
           <a:p>
             <a:r>
               <a:rPr lang="en-GB" dirty="0"/>
-              <a:t>Admissions Today 123</a:t>
+              <a:t>Admissions Today 154</a:t>
             </a:r>
           </a:p>
           <a:p>

--- a/CovidData.pptx
+++ b/CovidData.pptx
@@ -3741,7 +3741,7 @@
           <a:p>
             <a:r>
               <a:rPr lang="en-GB" dirty="0"/>
-              <a:t>Positive Tests Today: 5765</a:t>
+              <a:t>Positive Tests Today: 5341</a:t>
             </a:r>
           </a:p>
           <a:p>

--- a/CovidData.pptx
+++ b/CovidData.pptx
@@ -3735,13 +3735,13 @@
           <a:p>
             <a:r>
               <a:rPr lang="en-GB" dirty="0"/>
-              <a:t>Tests Today: 806272</a:t>
+              <a:t>Tests Today: 1242068</a:t>
             </a:r>
           </a:p>
           <a:p>
             <a:r>
               <a:rPr lang="en-GB" dirty="0"/>
-              <a:t>Positive Tests Today: 5341</a:t>
+              <a:t>Positive Tests Today: 5683</a:t>
             </a:r>
           </a:p>
           <a:p>

--- a/CovidData.pptx
+++ b/CovidData.pptx
@@ -3735,19 +3735,19 @@
           <a:p>
             <a:r>
               <a:rPr lang="en-GB" dirty="0"/>
-              <a:t>Tests Today: 1242068</a:t>
+              <a:t>Tests Today: 928425</a:t>
             </a:r>
           </a:p>
           <a:p>
             <a:r>
               <a:rPr lang="en-GB" dirty="0"/>
-              <a:t>Positive Tests Today: 5683</a:t>
+              <a:t>Positive Tests Today: 6048</a:t>
             </a:r>
           </a:p>
           <a:p>
             <a:r>
               <a:rPr lang="en-GB" dirty="0"/>
-              <a:t>Admissions Today 154</a:t>
+              <a:t>Admissions Today 126</a:t>
             </a:r>
           </a:p>
           <a:p>

--- a/CovidData.pptx
+++ b/CovidData.pptx
@@ -3735,19 +3735,19 @@
           <a:p>
             <a:r>
               <a:rPr lang="en-GB" dirty="0"/>
-              <a:t>Tests Today: 928425</a:t>
+              <a:t>Tests Today: 727274</a:t>
             </a:r>
           </a:p>
           <a:p>
             <a:r>
               <a:rPr lang="en-GB" dirty="0"/>
-              <a:t>Positive Tests Today: 6048</a:t>
+              <a:t>Positive Tests Today: 7540</a:t>
             </a:r>
           </a:p>
           <a:p>
             <a:r>
               <a:rPr lang="en-GB" dirty="0"/>
-              <a:t>Admissions Today 126</a:t>
+              <a:t>Admissions Today 123</a:t>
             </a:r>
           </a:p>
           <a:p>

--- a/CovidData.pptx
+++ b/CovidData.pptx
@@ -3735,19 +3735,19 @@
           <a:p>
             <a:r>
               <a:rPr lang="en-GB" dirty="0"/>
-              <a:t>Tests Today: 727274</a:t>
+              <a:t>Tests Today: 1085999</a:t>
             </a:r>
           </a:p>
           <a:p>
             <a:r>
               <a:rPr lang="en-GB" dirty="0"/>
-              <a:t>Positive Tests Today: 7540</a:t>
+              <a:t>Positive Tests Today: 7393</a:t>
             </a:r>
           </a:p>
           <a:p>
             <a:r>
               <a:rPr lang="en-GB" dirty="0"/>
-              <a:t>Admissions Today 123</a:t>
+              <a:t>Admissions Today 153</a:t>
             </a:r>
           </a:p>
           <a:p>

--- a/CovidData.pptx
+++ b/CovidData.pptx
@@ -3735,19 +3735,19 @@
           <a:p>
             <a:r>
               <a:rPr lang="en-GB" dirty="0"/>
-              <a:t>Tests Today: 1085999</a:t>
+              <a:t>Tests Today: 945090</a:t>
             </a:r>
           </a:p>
           <a:p>
             <a:r>
               <a:rPr lang="en-GB" dirty="0"/>
-              <a:t>Positive Tests Today: 7393</a:t>
+              <a:t>Positive Tests Today: 8125</a:t>
             </a:r>
           </a:p>
           <a:p>
             <a:r>
               <a:rPr lang="en-GB" dirty="0"/>
-              <a:t>Admissions Today 153</a:t>
+              <a:t>Admissions Today 173</a:t>
             </a:r>
           </a:p>
           <a:p>

--- a/CovidData.pptx
+++ b/CovidData.pptx
@@ -3741,13 +3741,13 @@
           <a:p>
             <a:r>
               <a:rPr lang="en-GB" dirty="0"/>
-              <a:t>Positive Tests Today: 8125</a:t>
+              <a:t>Positive Tests Today: 7738</a:t>
             </a:r>
           </a:p>
           <a:p>
             <a:r>
               <a:rPr lang="en-GB" dirty="0"/>
-              <a:t>Admissions Today 173</a:t>
+              <a:t>Admissions Today 187</a:t>
             </a:r>
           </a:p>
           <a:p>

--- a/CovidData.pptx
+++ b/CovidData.pptx
@@ -3741,7 +3741,7 @@
           <a:p>
             <a:r>
               <a:rPr lang="en-GB" dirty="0"/>
-              <a:t>Positive Tests Today: 7738</a:t>
+              <a:t>Positive Tests Today: 7490</a:t>
             </a:r>
           </a:p>
           <a:p>

--- a/CovidData.pptx
+++ b/CovidData.pptx
@@ -3735,13 +3735,13 @@
           <a:p>
             <a:r>
               <a:rPr lang="en-GB" dirty="0"/>
-              <a:t>Tests Today: 945090</a:t>
+              <a:t>Tests Today: 1052222</a:t>
             </a:r>
           </a:p>
           <a:p>
             <a:r>
               <a:rPr lang="en-GB" dirty="0"/>
-              <a:t>Positive Tests Today: 7490</a:t>
+              <a:t>Positive Tests Today: 7742</a:t>
             </a:r>
           </a:p>
           <a:p>

--- a/CovidData.pptx
+++ b/CovidData.pptx
@@ -3735,19 +3735,19 @@
           <a:p>
             <a:r>
               <a:rPr lang="en-GB" dirty="0"/>
-              <a:t>Tests Today: 1052222</a:t>
+              <a:t>Tests Today: 930123</a:t>
             </a:r>
           </a:p>
           <a:p>
             <a:r>
               <a:rPr lang="en-GB" dirty="0"/>
-              <a:t>Positive Tests Today: 7742</a:t>
+              <a:t>Positive Tests Today: 7673</a:t>
             </a:r>
           </a:p>
           <a:p>
             <a:r>
               <a:rPr lang="en-GB" dirty="0"/>
-              <a:t>Admissions Today 187</a:t>
+              <a:t>Admissions Today 184</a:t>
             </a:r>
           </a:p>
           <a:p>

--- a/CovidData.pptx
+++ b/CovidData.pptx
@@ -3735,19 +3735,19 @@
           <a:p>
             <a:r>
               <a:rPr lang="en-GB" dirty="0"/>
-              <a:t>Tests Today: 930123</a:t>
+              <a:t>Tests Today: 777277</a:t>
             </a:r>
           </a:p>
           <a:p>
             <a:r>
               <a:rPr lang="en-GB" dirty="0"/>
-              <a:t>Positive Tests Today: 7673</a:t>
+              <a:t>Positive Tests Today: 9055</a:t>
             </a:r>
           </a:p>
           <a:p>
             <a:r>
               <a:rPr lang="en-GB" dirty="0"/>
-              <a:t>Admissions Today 184</a:t>
+              <a:t>Admissions Today 173</a:t>
             </a:r>
           </a:p>
           <a:p>

--- a/CovidData.pptx
+++ b/CovidData.pptx
@@ -3735,19 +3735,19 @@
           <a:p>
             <a:r>
               <a:rPr lang="en-GB" dirty="0"/>
-              <a:t>Tests Today: 777277</a:t>
+              <a:t>Tests Today: 1101741</a:t>
             </a:r>
           </a:p>
           <a:p>
             <a:r>
               <a:rPr lang="en-GB" dirty="0"/>
-              <a:t>Positive Tests Today: 9055</a:t>
+              <a:t>Positive Tests Today: 11007</a:t>
             </a:r>
           </a:p>
           <a:p>
             <a:r>
               <a:rPr lang="en-GB" dirty="0"/>
-              <a:t>Admissions Today 173</a:t>
+              <a:t>Admissions Today 222</a:t>
             </a:r>
           </a:p>
           <a:p>

--- a/CovidData.pptx
+++ b/CovidData.pptx
@@ -3735,19 +3735,19 @@
           <a:p>
             <a:r>
               <a:rPr lang="en-GB" dirty="0"/>
-              <a:t>Tests Today: 1101741</a:t>
+              <a:t>Tests Today: 1034415</a:t>
             </a:r>
           </a:p>
           <a:p>
             <a:r>
               <a:rPr lang="en-GB" dirty="0"/>
-              <a:t>Positive Tests Today: 11007</a:t>
+              <a:t>Positive Tests Today: 10476</a:t>
             </a:r>
           </a:p>
           <a:p>
             <a:r>
               <a:rPr lang="en-GB" dirty="0"/>
-              <a:t>Admissions Today 222</a:t>
+              <a:t>Admissions Today 221</a:t>
             </a:r>
           </a:p>
           <a:p>

--- a/CovidData.pptx
+++ b/CovidData.pptx
@@ -3741,13 +3741,13 @@
           <a:p>
             <a:r>
               <a:rPr lang="en-GB" dirty="0"/>
-              <a:t>Positive Tests Today: 10476</a:t>
+              <a:t>Positive Tests Today: 10321</a:t>
             </a:r>
           </a:p>
           <a:p>
             <a:r>
               <a:rPr lang="en-GB" dirty="0"/>
-              <a:t>Admissions Today 221</a:t>
+              <a:t>Admissions Today 226</a:t>
             </a:r>
           </a:p>
           <a:p>

--- a/CovidData.pptx
+++ b/CovidData.pptx
@@ -3741,7 +3741,7 @@
           <a:p>
             <a:r>
               <a:rPr lang="en-GB" dirty="0"/>
-              <a:t>Positive Tests Today: 10321</a:t>
+              <a:t>Positive Tests Today: 9284</a:t>
             </a:r>
           </a:p>
           <a:p>

--- a/CovidData.pptx
+++ b/CovidData.pptx
@@ -3735,13 +3735,13 @@
           <a:p>
             <a:r>
               <a:rPr lang="en-GB" dirty="0"/>
-              <a:t>Tests Today: 1034415</a:t>
+              <a:t>Tests Today: 1149112</a:t>
             </a:r>
           </a:p>
           <a:p>
             <a:r>
               <a:rPr lang="en-GB" dirty="0"/>
-              <a:t>Positive Tests Today: 9284</a:t>
+              <a:t>Positive Tests Today: 10633</a:t>
             </a:r>
           </a:p>
           <a:p>

--- a/CovidData.pptx
+++ b/CovidData.pptx
@@ -3735,19 +3735,19 @@
           <a:p>
             <a:r>
               <a:rPr lang="en-GB" dirty="0"/>
-              <a:t>Tests Today: 1149112</a:t>
+              <a:t>Tests Today: 1019739</a:t>
             </a:r>
           </a:p>
           <a:p>
             <a:r>
               <a:rPr lang="en-GB" dirty="0"/>
-              <a:t>Positive Tests Today: 10633</a:t>
+              <a:t>Positive Tests Today: 11625</a:t>
             </a:r>
           </a:p>
           <a:p>
             <a:r>
               <a:rPr lang="en-GB" dirty="0"/>
-              <a:t>Admissions Today 226</a:t>
+              <a:t>Admissions Today 225</a:t>
             </a:r>
           </a:p>
           <a:p>

--- a/CovidData.pptx
+++ b/CovidData.pptx
@@ -3735,19 +3735,19 @@
           <a:p>
             <a:r>
               <a:rPr lang="en-GB" dirty="0"/>
-              <a:t>Tests Today: 1019739</a:t>
+              <a:t>Tests Today: 821585</a:t>
             </a:r>
           </a:p>
           <a:p>
             <a:r>
               <a:rPr lang="en-GB" dirty="0"/>
-              <a:t>Positive Tests Today: 11625</a:t>
+              <a:t>Positive Tests Today: 16135</a:t>
             </a:r>
           </a:p>
           <a:p>
             <a:r>
               <a:rPr lang="en-GB" dirty="0"/>
-              <a:t>Admissions Today 225</a:t>
+              <a:t>Admissions Today 211</a:t>
             </a:r>
           </a:p>
           <a:p>
